--- a/statistics/imgs/img.pptx
+++ b/statistics/imgs/img.pptx
@@ -22103,8 +22103,8 @@
             </p:nvSpPr>
             <p:spPr>
               <a:xfrm>
-                <a:off x="4892612" y="2073846"/>
-                <a:ext cx="936625" cy="368300"/>
+                <a:off x="4794885" y="2073910"/>
+                <a:ext cx="1089660" cy="368300"/>
               </a:xfrm>
               <a:prstGeom prst="rect">
                 <a:avLst/>
@@ -22135,7 +22135,7 @@
                           <a:latin typeface="DejaVu Math TeX Gyre" panose="02000503000000000000" charset="0"/>
                           <a:cs typeface="DejaVu Math TeX Gyre" panose="02000503000000000000" charset="0"/>
                         </a:rPr>
-                        <m:t>&gt;</m:t>
+                        <m:t>&gt;=</m:t>
                       </m:r>
                       <m:r>
                         <a:rPr lang="en-US" altLang="" i="1">
@@ -22163,8 +22163,8 @@
             </p:nvSpPr>
             <p:spPr>
               <a:xfrm>
-                <a:off x="4892612" y="2073846"/>
-                <a:ext cx="936625" cy="368300"/>
+                <a:off x="4794885" y="2073910"/>
+                <a:ext cx="1089660" cy="368300"/>
               </a:xfrm>
               <a:prstGeom prst="rect">
                 <a:avLst/>
@@ -22172,7 +22172,7 @@
               <a:blipFill rotWithShape="true">
                 <a:blip r:embed="rId2"/>
                 <a:stretch>
-                  <a:fillRect l="-61" t="-155" r="61" b="155"/>
+                  <a:fillRect/>
                 </a:stretch>
               </a:blipFill>
             </p:spPr>
